--- a/PyGame/Prezentatsia.pptx
+++ b/PyGame/Prezentatsia.pptx
@@ -6,16 +6,17 @@
   </p:sldMasterIdLst>
   <p:sldIdLst>
     <p:sldId id="256" r:id="rId2"/>
-    <p:sldId id="257" r:id="rId3"/>
-    <p:sldId id="258" r:id="rId4"/>
-    <p:sldId id="259" r:id="rId5"/>
-    <p:sldId id="260" r:id="rId6"/>
-    <p:sldId id="261" r:id="rId7"/>
-    <p:sldId id="262" r:id="rId8"/>
-    <p:sldId id="263" r:id="rId9"/>
-    <p:sldId id="264" r:id="rId10"/>
-    <p:sldId id="265" r:id="rId11"/>
-    <p:sldId id="266" r:id="rId12"/>
+    <p:sldId id="267" r:id="rId3"/>
+    <p:sldId id="257" r:id="rId4"/>
+    <p:sldId id="258" r:id="rId5"/>
+    <p:sldId id="259" r:id="rId6"/>
+    <p:sldId id="260" r:id="rId7"/>
+    <p:sldId id="261" r:id="rId8"/>
+    <p:sldId id="262" r:id="rId9"/>
+    <p:sldId id="263" r:id="rId10"/>
+    <p:sldId id="264" r:id="rId11"/>
+    <p:sldId id="265" r:id="rId12"/>
+    <p:sldId id="266" r:id="rId13"/>
   </p:sldIdLst>
   <p:sldSz cx="12192000" cy="6858000"/>
   <p:notesSz cx="6858000" cy="9144000"/>
@@ -6145,8 +6146,26 @@
           <a:p>
             <a:r>
               <a:rPr lang="ru-RU" dirty="0"/>
-              <a:t>Яндекс Лицею</a:t>
-            </a:r>
+              <a:t>Яндекс </a:t>
+            </a:r>
+            <a:r>
+              <a:rPr lang="ru-RU" dirty="0" smtClean="0"/>
+              <a:t>Лице</a:t>
+            </a:r>
+            <a:r>
+              <a:rPr lang="ru-RU" dirty="0" smtClean="0"/>
+              <a:t>й</a:t>
+            </a:r>
+          </a:p>
+          <a:p>
+            <a:r>
+              <a:rPr lang="ru-RU" dirty="0"/>
+              <a:t>Авторы: Арсений Баранов, Соколов Владимир</a:t>
+            </a:r>
+            <a:endParaRPr lang="ru-RU" b="1" dirty="0"/>
+          </a:p>
+          <a:p>
+            <a:endParaRPr lang="ru-RU" dirty="0"/>
           </a:p>
         </p:txBody>
       </p:sp>
@@ -6160,6 +6179,13 @@
   <p:clrMapOvr>
     <a:masterClrMapping/>
   </p:clrMapOvr>
+  <p:timing>
+    <p:tnLst>
+      <p:par>
+        <p:cTn id="1" dur="indefinite" restart="never" nodeType="tmRoot"/>
+      </p:par>
+    </p:tnLst>
+  </p:timing>
 </p:sld>
 </file>
 
@@ -6182,6 +6208,93 @@
       </p:grpSpPr>
       <p:sp>
         <p:nvSpPr>
+          <p:cNvPr id="3" name="Объект 2">
+            <a:extLst>
+              <a:ext uri="{FF2B5EF4-FFF2-40B4-BE49-F238E27FC236}">
+                <a16:creationId xmlns="" xmlns:a16="http://schemas.microsoft.com/office/drawing/2014/main" id="{E633C413-AC47-4ED3-B9CB-360CBD7CD522}"/>
+              </a:ext>
+            </a:extLst>
+          </p:cNvPr>
+          <p:cNvSpPr>
+            <a:spLocks noGrp="1"/>
+          </p:cNvSpPr>
+          <p:nvPr>
+            <p:ph idx="1"/>
+          </p:nvPr>
+        </p:nvSpPr>
+        <p:spPr>
+          <a:xfrm>
+            <a:off x="1491619" y="1689664"/>
+            <a:ext cx="8946541" cy="4195481"/>
+          </a:xfrm>
+        </p:spPr>
+        <p:txBody>
+          <a:bodyPr/>
+          <a:lstStyle/>
+          <a:p>
+            <a:r>
+              <a:rPr lang="ru-RU" dirty="0"/>
+              <a:t>На первом скриншоте показан конец игры на обороне, втором конец игры выживания. </a:t>
+            </a:r>
+          </a:p>
+          <a:p>
+            <a:endParaRPr lang="ru-RU" dirty="0"/>
+          </a:p>
+          <a:p>
+            <a:r>
+              <a:rPr lang="ru-RU" dirty="0"/>
+              <a:t>В обороне показано только ваши очки за этот бой и рекордные очки(если вы побили рекорд то эти значения будут равны)</a:t>
+            </a:r>
+          </a:p>
+          <a:p>
+            <a:r>
+              <a:rPr lang="ru-RU" dirty="0"/>
+              <a:t>В выживании нету счёта очков.</a:t>
+            </a:r>
+          </a:p>
+          <a:p>
+            <a:pPr marL="0" indent="0">
+              <a:buNone/>
+            </a:pPr>
+            <a:r>
+              <a:rPr lang="ru-RU" dirty="0"/>
+              <a:t>Вам напишут мотивационную фразу или подсказку.</a:t>
+            </a:r>
+          </a:p>
+        </p:txBody>
+      </p:sp>
+    </p:spTree>
+    <p:extLst>
+      <p:ext uri="{BB962C8B-B14F-4D97-AF65-F5344CB8AC3E}">
+        <p14:creationId xmlns:p14="http://schemas.microsoft.com/office/powerpoint/2010/main" val="1791499988"/>
+      </p:ext>
+    </p:extLst>
+  </p:cSld>
+  <p:clrMapOvr>
+    <a:masterClrMapping/>
+  </p:clrMapOvr>
+</p:sld>
+</file>
+
+<file path=ppt/slides/slide11.xml><?xml version="1.0" encoding="utf-8"?>
+<p:sld xmlns:a="http://schemas.openxmlformats.org/drawingml/2006/main" xmlns:r="http://schemas.openxmlformats.org/officeDocument/2006/relationships" xmlns:p="http://schemas.openxmlformats.org/presentationml/2006/main">
+  <p:cSld>
+    <p:spTree>
+      <p:nvGrpSpPr>
+        <p:cNvPr id="1" name=""/>
+        <p:cNvGrpSpPr/>
+        <p:nvPr/>
+      </p:nvGrpSpPr>
+      <p:grpSpPr>
+        <a:xfrm>
+          <a:off x="0" y="0"/>
+          <a:ext cx="0" cy="0"/>
+          <a:chOff x="0" y="0"/>
+          <a:chExt cx="0" cy="0"/>
+        </a:xfrm>
+      </p:grpSpPr>
+      <p:sp>
+        <p:nvSpPr>
           <p:cNvPr id="2" name="Заголовок 1"/>
           <p:cNvSpPr>
             <a:spLocks noGrp="1"/>
@@ -6296,7 +6409,7 @@
 </p:sld>
 </file>
 
-<file path=ppt/slides/slide11.xml><?xml version="1.0" encoding="utf-8"?>
+<file path=ppt/slides/slide12.xml><?xml version="1.0" encoding="utf-8"?>
 <p:sld xmlns:a="http://schemas.openxmlformats.org/drawingml/2006/main" xmlns:r="http://schemas.openxmlformats.org/officeDocument/2006/relationships" xmlns:p="http://schemas.openxmlformats.org/presentationml/2006/main">
   <p:cSld>
     <p:spTree>
@@ -6431,6 +6544,123 @@
             <p:ph type="title"/>
           </p:nvPr>
         </p:nvSpPr>
+        <p:spPr>
+          <a:xfrm>
+            <a:off x="3427947" y="478476"/>
+            <a:ext cx="9404723" cy="1400530"/>
+          </a:xfrm>
+        </p:spPr>
+        <p:txBody>
+          <a:bodyPr/>
+          <a:lstStyle/>
+          <a:p>
+            <a:r>
+              <a:rPr lang="ru-RU" dirty="0" smtClean="0"/>
+              <a:t>Идея проекта</a:t>
+            </a:r>
+            <a:endParaRPr lang="ru-RU" dirty="0"/>
+          </a:p>
+        </p:txBody>
+      </p:sp>
+      <p:sp>
+        <p:nvSpPr>
+          <p:cNvPr id="3" name="Объект 2"/>
+          <p:cNvSpPr>
+            <a:spLocks noGrp="1"/>
+          </p:cNvSpPr>
+          <p:nvPr>
+            <p:ph idx="1"/>
+          </p:nvPr>
+        </p:nvSpPr>
+        <p:spPr/>
+        <p:txBody>
+          <a:bodyPr>
+            <a:normAutofit/>
+          </a:bodyPr>
+          <a:lstStyle/>
+          <a:p>
+            <a:r>
+              <a:rPr lang="ru-RU" sz="2400" dirty="0" smtClean="0"/>
+              <a:t>По нашей задумке этот проект – это игра, созданная на подобие легендарной </a:t>
+            </a:r>
+            <a:r>
+              <a:rPr lang="en-US" sz="2400" dirty="0" smtClean="0"/>
+              <a:t>“</a:t>
+            </a:r>
+            <a:r>
+              <a:rPr lang="ru-RU" sz="2400" dirty="0" smtClean="0"/>
+              <a:t>Галага</a:t>
+            </a:r>
+            <a:r>
+              <a:rPr lang="en-US" sz="2400" dirty="0" smtClean="0"/>
+              <a:t>”</a:t>
+            </a:r>
+            <a:r>
+              <a:rPr lang="ru-RU" sz="2400" dirty="0" smtClean="0"/>
+              <a:t>, но с большим количеством собственных модернизаций и дополнений.</a:t>
+            </a:r>
+          </a:p>
+          <a:p>
+            <a:r>
+              <a:rPr lang="ru-RU" sz="2400" dirty="0" smtClean="0"/>
+              <a:t>Мы видели множество современны адаптаций, но захотели сделать свою собственную, в собственном стиле и не похожую один в один, а что-то новое</a:t>
+            </a:r>
+          </a:p>
+          <a:p>
+            <a:r>
+              <a:rPr lang="ru-RU" sz="2400" dirty="0" smtClean="0"/>
+              <a:t>Мы считаем, что проект полностью получился и мы реализовали всё, нами задуманное.</a:t>
+            </a:r>
+          </a:p>
+        </p:txBody>
+      </p:sp>
+    </p:spTree>
+    <p:extLst>
+      <p:ext uri="{BB962C8B-B14F-4D97-AF65-F5344CB8AC3E}">
+        <p14:creationId xmlns:p14="http://schemas.microsoft.com/office/powerpoint/2010/main" val="749935260"/>
+      </p:ext>
+    </p:extLst>
+  </p:cSld>
+  <p:clrMapOvr>
+    <a:masterClrMapping/>
+  </p:clrMapOvr>
+  <p:timing>
+    <p:tnLst>
+      <p:par>
+        <p:cTn id="1" dur="indefinite" restart="never" nodeType="tmRoot"/>
+      </p:par>
+    </p:tnLst>
+  </p:timing>
+</p:sld>
+</file>
+
+<file path=ppt/slides/slide3.xml><?xml version="1.0" encoding="utf-8"?>
+<p:sld xmlns:a="http://schemas.openxmlformats.org/drawingml/2006/main" xmlns:r="http://schemas.openxmlformats.org/officeDocument/2006/relationships" xmlns:p="http://schemas.openxmlformats.org/presentationml/2006/main">
+  <p:cSld>
+    <p:spTree>
+      <p:nvGrpSpPr>
+        <p:cNvPr id="1" name=""/>
+        <p:cNvGrpSpPr/>
+        <p:nvPr/>
+      </p:nvGrpSpPr>
+      <p:grpSpPr>
+        <a:xfrm>
+          <a:off x="0" y="0"/>
+          <a:ext cx="0" cy="0"/>
+          <a:chOff x="0" y="0"/>
+          <a:chExt cx="0" cy="0"/>
+        </a:xfrm>
+      </p:grpSpPr>
+      <p:sp>
+        <p:nvSpPr>
+          <p:cNvPr id="2" name="Заголовок 1"/>
+          <p:cNvSpPr>
+            <a:spLocks noGrp="1"/>
+          </p:cNvSpPr>
+          <p:nvPr>
+            <p:ph type="title"/>
+          </p:nvPr>
+        </p:nvSpPr>
         <p:spPr/>
         <p:txBody>
           <a:bodyPr/>
@@ -6448,7 +6678,7 @@
           <p:cNvPr id="5" name="Объект 4">
             <a:extLst>
               <a:ext uri="{FF2B5EF4-FFF2-40B4-BE49-F238E27FC236}">
-                <a16:creationId xmlns:a16="http://schemas.microsoft.com/office/drawing/2014/main" xmlns="" id="{50713B7B-9BC1-406F-B548-D7431513BE11}"/>
+                <a16:creationId xmlns="" xmlns:a16="http://schemas.microsoft.com/office/drawing/2014/main" id="{50713B7B-9BC1-406F-B548-D7431513BE11}"/>
               </a:ext>
             </a:extLst>
           </p:cNvPr>
@@ -6488,102 +6718,13 @@
   <p:clrMapOvr>
     <a:masterClrMapping/>
   </p:clrMapOvr>
-</p:sld>
-</file>
-
-<file path=ppt/slides/slide3.xml><?xml version="1.0" encoding="utf-8"?>
-<p:sld xmlns:a="http://schemas.openxmlformats.org/drawingml/2006/main" xmlns:r="http://schemas.openxmlformats.org/officeDocument/2006/relationships" xmlns:p="http://schemas.openxmlformats.org/presentationml/2006/main">
-  <p:cSld>
-    <p:spTree>
-      <p:nvGrpSpPr>
-        <p:cNvPr id="1" name=""/>
-        <p:cNvGrpSpPr/>
-        <p:nvPr/>
-      </p:nvGrpSpPr>
-      <p:grpSpPr>
-        <a:xfrm>
-          <a:off x="0" y="0"/>
-          <a:ext cx="0" cy="0"/>
-          <a:chOff x="0" y="0"/>
-          <a:chExt cx="0" cy="0"/>
-        </a:xfrm>
-      </p:grpSpPr>
-      <p:sp>
-        <p:nvSpPr>
-          <p:cNvPr id="3" name="Объект 2"/>
-          <p:cNvSpPr>
-            <a:spLocks noGrp="1"/>
-          </p:cNvSpPr>
-          <p:nvPr>
-            <p:ph idx="1"/>
-          </p:nvPr>
-        </p:nvSpPr>
-        <p:spPr>
-          <a:xfrm>
-            <a:off x="1058449" y="1835505"/>
-            <a:ext cx="9975760" cy="4399677"/>
-          </a:xfrm>
-        </p:spPr>
-        <p:txBody>
-          <a:bodyPr/>
-          <a:lstStyle/>
-          <a:p>
-            <a:pPr marL="0" indent="0" algn="ctr">
-              <a:buNone/>
-            </a:pPr>
-            <a:r>
-              <a:rPr lang="ru-RU" dirty="0"/>
-              <a:t>Меню входа представляет собой выбор режимов. </a:t>
-            </a:r>
-          </a:p>
-          <a:p>
-            <a:pPr marL="0" indent="0" algn="ctr">
-              <a:buNone/>
-            </a:pPr>
-            <a:r>
-              <a:rPr lang="ru-RU" dirty="0"/>
-              <a:t>Оно появляется сразу как только как игрок зашёл в игру.</a:t>
-            </a:r>
-          </a:p>
-          <a:p>
-            <a:pPr marL="0" indent="0" algn="ctr">
-              <a:buNone/>
-            </a:pPr>
-            <a:r>
-              <a:rPr lang="ru-RU" dirty="0"/>
-              <a:t> Тут можно выбрать один из сценариев игры Оборона или Выживание.</a:t>
-            </a:r>
-          </a:p>
-          <a:p>
-            <a:pPr marL="0" indent="0" algn="ctr">
-              <a:buNone/>
-            </a:pPr>
-            <a:r>
-              <a:rPr lang="ru-RU" dirty="0"/>
-              <a:t>Для начала лучше выбрать Оборону, так как в этом режиме предусмотрено постепенное повышение сложности.</a:t>
-            </a:r>
-          </a:p>
-          <a:p>
-            <a:pPr marL="0" indent="0" algn="ctr">
-              <a:buNone/>
-            </a:pPr>
-            <a:r>
-              <a:rPr lang="ru-RU" dirty="0"/>
-              <a:t>Перед тем, как нажать на кнопку выбора игры убедитесь, что вы готовы: положите руку либо на мышь либо на стрелочки и пробел.</a:t>
-            </a:r>
-          </a:p>
-        </p:txBody>
-      </p:sp>
-    </p:spTree>
-    <p:extLst>
-      <p:ext uri="{BB962C8B-B14F-4D97-AF65-F5344CB8AC3E}">
-        <p14:creationId xmlns:p14="http://schemas.microsoft.com/office/powerpoint/2010/main" val="4145777365"/>
-      </p:ext>
-    </p:extLst>
-  </p:cSld>
-  <p:clrMapOvr>
-    <a:masterClrMapping/>
-  </p:clrMapOvr>
+  <p:timing>
+    <p:tnLst>
+      <p:par>
+        <p:cTn id="1" dur="indefinite" restart="never" nodeType="tmRoot"/>
+      </p:par>
+    </p:tnLst>
+  </p:timing>
 </p:sld>
 </file>
 
@@ -6606,158 +6747,74 @@
       </p:grpSpPr>
       <p:sp>
         <p:nvSpPr>
-          <p:cNvPr id="2" name="Заголовок 1"/>
-          <p:cNvSpPr>
-            <a:spLocks noGrp="1"/>
-          </p:cNvSpPr>
-          <p:nvPr>
-            <p:ph type="title"/>
+          <p:cNvPr id="3" name="Объект 2"/>
+          <p:cNvSpPr>
+            <a:spLocks noGrp="1"/>
+          </p:cNvSpPr>
+          <p:nvPr>
+            <p:ph idx="1"/>
           </p:nvPr>
         </p:nvSpPr>
         <p:spPr>
           <a:xfrm>
-            <a:off x="4553755" y="293622"/>
-            <a:ext cx="3932237" cy="561540"/>
+            <a:off x="1058449" y="1835505"/>
+            <a:ext cx="9975760" cy="4399677"/>
           </a:xfrm>
         </p:spPr>
         <p:txBody>
           <a:bodyPr/>
           <a:lstStyle/>
           <a:p>
+            <a:pPr marL="0" indent="0" algn="ctr">
+              <a:buNone/>
+            </a:pPr>
             <a:r>
               <a:rPr lang="ru-RU" dirty="0"/>
-              <a:t>Оборона</a:t>
-            </a:r>
-          </a:p>
-        </p:txBody>
-      </p:sp>
-      <p:pic>
-        <p:nvPicPr>
-          <p:cNvPr id="5" name="Объект 4">
-            <a:extLst>
-              <a:ext uri="{FF2B5EF4-FFF2-40B4-BE49-F238E27FC236}">
-                <a16:creationId xmlns:a16="http://schemas.microsoft.com/office/drawing/2014/main" xmlns="" id="{ECA0B10D-4ED8-4E88-9660-FFFFA96C0CDB}"/>
-              </a:ext>
-            </a:extLst>
-          </p:cNvPr>
-          <p:cNvPicPr>
-            <a:picLocks noGrp="1" noChangeAspect="1"/>
-          </p:cNvPicPr>
-          <p:nvPr>
-            <p:ph idx="1"/>
-          </p:nvPr>
-        </p:nvPicPr>
-        <p:blipFill>
-          <a:blip r:embed="rId2">
-            <a:extLst>
-              <a:ext uri="{28A0092B-C50C-407E-A947-70E740481C1C}">
-                <a14:useLocalDpi xmlns:a14="http://schemas.microsoft.com/office/drawing/2010/main" val="0"/>
-              </a:ext>
-            </a:extLst>
-          </a:blip>
-          <a:stretch>
-            <a:fillRect/>
-          </a:stretch>
-        </p:blipFill>
-        <p:spPr>
-          <a:xfrm>
-            <a:off x="5660661" y="1047054"/>
-            <a:ext cx="4082841" cy="4572000"/>
-          </a:xfrm>
-        </p:spPr>
-      </p:pic>
-      <p:sp>
-        <p:nvSpPr>
-          <p:cNvPr id="8" name="Текст 7">
-            <a:extLst>
-              <a:ext uri="{FF2B5EF4-FFF2-40B4-BE49-F238E27FC236}">
-                <a16:creationId xmlns:a16="http://schemas.microsoft.com/office/drawing/2014/main" xmlns="" id="{C527CC41-44D2-4883-9E86-461AE2EFAFBF}"/>
-              </a:ext>
-            </a:extLst>
-          </p:cNvPr>
-          <p:cNvSpPr>
-            <a:spLocks noGrp="1"/>
-          </p:cNvSpPr>
-          <p:nvPr>
-            <p:ph type="body" sz="half" idx="2"/>
-          </p:nvPr>
-        </p:nvSpPr>
-        <p:spPr>
-          <a:xfrm>
-            <a:off x="1847541" y="1243209"/>
-            <a:ext cx="3932237" cy="4567737"/>
-          </a:xfrm>
-        </p:spPr>
-        <p:txBody>
-          <a:bodyPr/>
-          <a:lstStyle/>
-          <a:p>
+              <a:t>Меню входа представляет собой выбор режимов. </a:t>
+            </a:r>
+          </a:p>
+          <a:p>
+            <a:pPr marL="0" indent="0" algn="ctr">
+              <a:buNone/>
+            </a:pPr>
             <a:r>
               <a:rPr lang="ru-RU" dirty="0"/>
-              <a:t>Строка характеристик ===========</a:t>
-            </a:r>
-            <a:r>
-              <a:rPr lang="en-US" dirty="0"/>
-              <a:t>==&gt;</a:t>
-            </a:r>
-          </a:p>
-          <a:p>
-            <a:endParaRPr lang="en-US" dirty="0"/>
-          </a:p>
-          <a:p>
-            <a:endParaRPr lang="en-US" dirty="0"/>
-          </a:p>
-          <a:p>
-            <a:endParaRPr lang="en-US" dirty="0"/>
-          </a:p>
-          <a:p>
-            <a:endParaRPr lang="en-US" dirty="0"/>
-          </a:p>
-          <a:p>
-            <a:endParaRPr lang="en-US" dirty="0"/>
-          </a:p>
-          <a:p>
+              <a:t>Оно появляется сразу как только как игрок зашёл в игру.</a:t>
+            </a:r>
+          </a:p>
+          <a:p>
+            <a:pPr marL="0" indent="0" algn="ctr">
+              <a:buNone/>
+            </a:pPr>
             <a:r>
               <a:rPr lang="ru-RU" dirty="0"/>
-              <a:t>Союзная база ================</a:t>
-            </a:r>
-            <a:r>
-              <a:rPr lang="en-US" dirty="0"/>
-              <a:t>====&gt;</a:t>
-            </a:r>
-          </a:p>
-          <a:p>
-            <a:endParaRPr lang="en-US" dirty="0"/>
-          </a:p>
-          <a:p>
-            <a:endParaRPr lang="en-US" dirty="0"/>
-          </a:p>
-          <a:p>
-            <a:endParaRPr lang="en-US" dirty="0"/>
-          </a:p>
-          <a:p>
-            <a:endParaRPr lang="en-US" dirty="0"/>
-          </a:p>
-          <a:p>
-            <a:endParaRPr lang="en-US" dirty="0"/>
-          </a:p>
-          <a:p>
+              <a:t> Тут можно выбрать один из сценариев игры Оборона или Выживание.</a:t>
+            </a:r>
+          </a:p>
+          <a:p>
+            <a:pPr marL="0" indent="0" algn="ctr">
+              <a:buNone/>
+            </a:pPr>
             <a:r>
               <a:rPr lang="ru-RU" dirty="0"/>
-              <a:t>Корабль игрока ==================</a:t>
-            </a:r>
-            <a:r>
-              <a:rPr lang="en-US" dirty="0"/>
-              <a:t>&gt;</a:t>
-            </a:r>
-            <a:endParaRPr lang="ru-RU" dirty="0"/>
+              <a:t>Для начала лучше выбрать Оборону, так как в этом режиме предусмотрено постепенное повышение сложности.</a:t>
+            </a:r>
+          </a:p>
+          <a:p>
+            <a:pPr marL="0" indent="0" algn="ctr">
+              <a:buNone/>
+            </a:pPr>
+            <a:r>
+              <a:rPr lang="ru-RU" dirty="0"/>
+              <a:t>Перед тем, как нажать на кнопку выбора игры убедитесь, что вы готовы: положите руку либо на мышь либо на стрелочки и пробел.</a:t>
+            </a:r>
           </a:p>
         </p:txBody>
       </p:sp>
     </p:spTree>
     <p:extLst>
       <p:ext uri="{BB962C8B-B14F-4D97-AF65-F5344CB8AC3E}">
-        <p14:creationId xmlns:p14="http://schemas.microsoft.com/office/powerpoint/2010/main" val="825363446"/>
+        <p14:creationId xmlns:p14="http://schemas.microsoft.com/office/powerpoint/2010/main" val="4145777365"/>
       </p:ext>
     </p:extLst>
   </p:cSld>
@@ -6786,36 +6843,158 @@
       </p:grpSpPr>
       <p:sp>
         <p:nvSpPr>
-          <p:cNvPr id="3" name="Объект 2"/>
-          <p:cNvSpPr>
-            <a:spLocks noGrp="1"/>
-          </p:cNvSpPr>
-          <p:nvPr>
-            <p:ph idx="1"/>
+          <p:cNvPr id="2" name="Заголовок 1"/>
+          <p:cNvSpPr>
+            <a:spLocks noGrp="1"/>
+          </p:cNvSpPr>
+          <p:nvPr>
+            <p:ph type="title"/>
           </p:nvPr>
         </p:nvSpPr>
         <p:spPr>
           <a:xfrm>
-            <a:off x="760926" y="1426380"/>
-            <a:ext cx="10515600" cy="4351338"/>
+            <a:off x="4553755" y="293622"/>
+            <a:ext cx="3932237" cy="561540"/>
           </a:xfrm>
         </p:spPr>
         <p:txBody>
           <a:bodyPr/>
           <a:lstStyle/>
           <a:p>
-            <a:pPr algn="just"/>
             <a:r>
               <a:rPr lang="ru-RU" dirty="0"/>
-              <a:t>В этом режиме вы можете управлять своим кораблём, уворачиваясь от вражески снарядов и не давать врагам приблизиться к вашей базе. Если вражеский корабль коснётся вашей базы – вы проиграли, если у вас закончились жизни (прочность щитов) вы тоже проиграли. Изначально у вас 3 жизни(3 единицы прочности щитов). За каждого убитого вами врага вам дают по 100 очков, за каждого убитого зелёного врага вы получаете дополнительную жизнь (+1 к прочности щитов). Ваша задача побить рекорд  -- продержать как можно дольше  и уничтожить как можно больше врагов.</a:t>
-            </a:r>
+              <a:t>Оборона</a:t>
+            </a:r>
+          </a:p>
+        </p:txBody>
+      </p:sp>
+      <p:pic>
+        <p:nvPicPr>
+          <p:cNvPr id="5" name="Объект 4">
+            <a:extLst>
+              <a:ext uri="{FF2B5EF4-FFF2-40B4-BE49-F238E27FC236}">
+                <a16:creationId xmlns="" xmlns:a16="http://schemas.microsoft.com/office/drawing/2014/main" id="{ECA0B10D-4ED8-4E88-9660-FFFFA96C0CDB}"/>
+              </a:ext>
+            </a:extLst>
+          </p:cNvPr>
+          <p:cNvPicPr>
+            <a:picLocks noGrp="1" noChangeAspect="1"/>
+          </p:cNvPicPr>
+          <p:nvPr>
+            <p:ph idx="1"/>
+          </p:nvPr>
+        </p:nvPicPr>
+        <p:blipFill>
+          <a:blip r:embed="rId2">
+            <a:extLst>
+              <a:ext uri="{28A0092B-C50C-407E-A947-70E740481C1C}">
+                <a14:useLocalDpi xmlns:a14="http://schemas.microsoft.com/office/drawing/2010/main" val="0"/>
+              </a:ext>
+            </a:extLst>
+          </a:blip>
+          <a:stretch>
+            <a:fillRect/>
+          </a:stretch>
+        </p:blipFill>
+        <p:spPr>
+          <a:xfrm>
+            <a:off x="5660661" y="1047054"/>
+            <a:ext cx="4082841" cy="4572000"/>
+          </a:xfrm>
+        </p:spPr>
+      </p:pic>
+      <p:sp>
+        <p:nvSpPr>
+          <p:cNvPr id="8" name="Текст 7">
+            <a:extLst>
+              <a:ext uri="{FF2B5EF4-FFF2-40B4-BE49-F238E27FC236}">
+                <a16:creationId xmlns="" xmlns:a16="http://schemas.microsoft.com/office/drawing/2014/main" id="{C527CC41-44D2-4883-9E86-461AE2EFAFBF}"/>
+              </a:ext>
+            </a:extLst>
+          </p:cNvPr>
+          <p:cNvSpPr>
+            <a:spLocks noGrp="1"/>
+          </p:cNvSpPr>
+          <p:nvPr>
+            <p:ph type="body" sz="half" idx="2"/>
+          </p:nvPr>
+        </p:nvSpPr>
+        <p:spPr>
+          <a:xfrm>
+            <a:off x="1847541" y="1243209"/>
+            <a:ext cx="3932237" cy="4567737"/>
+          </a:xfrm>
+        </p:spPr>
+        <p:txBody>
+          <a:bodyPr/>
+          <a:lstStyle/>
+          <a:p>
+            <a:r>
+              <a:rPr lang="ru-RU" dirty="0"/>
+              <a:t>Строка характеристик ===========</a:t>
+            </a:r>
+            <a:r>
+              <a:rPr lang="en-US" dirty="0"/>
+              <a:t>==&gt;</a:t>
+            </a:r>
+          </a:p>
+          <a:p>
+            <a:endParaRPr lang="en-US" dirty="0"/>
+          </a:p>
+          <a:p>
+            <a:endParaRPr lang="en-US" dirty="0"/>
+          </a:p>
+          <a:p>
+            <a:endParaRPr lang="en-US" dirty="0"/>
+          </a:p>
+          <a:p>
+            <a:endParaRPr lang="en-US" dirty="0"/>
+          </a:p>
+          <a:p>
+            <a:endParaRPr lang="en-US" dirty="0"/>
+          </a:p>
+          <a:p>
+            <a:r>
+              <a:rPr lang="ru-RU" dirty="0"/>
+              <a:t>Союзная база ================</a:t>
+            </a:r>
+            <a:r>
+              <a:rPr lang="en-US" dirty="0"/>
+              <a:t>====&gt;</a:t>
+            </a:r>
+          </a:p>
+          <a:p>
+            <a:endParaRPr lang="en-US" dirty="0"/>
+          </a:p>
+          <a:p>
+            <a:endParaRPr lang="en-US" dirty="0"/>
+          </a:p>
+          <a:p>
+            <a:endParaRPr lang="en-US" dirty="0"/>
+          </a:p>
+          <a:p>
+            <a:endParaRPr lang="en-US" dirty="0"/>
+          </a:p>
+          <a:p>
+            <a:endParaRPr lang="en-US" dirty="0"/>
+          </a:p>
+          <a:p>
+            <a:r>
+              <a:rPr lang="ru-RU" dirty="0"/>
+              <a:t>Корабль игрока ==================</a:t>
+            </a:r>
+            <a:r>
+              <a:rPr lang="en-US" dirty="0"/>
+              <a:t>&gt;</a:t>
+            </a:r>
+            <a:endParaRPr lang="ru-RU" dirty="0"/>
           </a:p>
         </p:txBody>
       </p:sp>
     </p:spTree>
     <p:extLst>
       <p:ext uri="{BB962C8B-B14F-4D97-AF65-F5344CB8AC3E}">
-        <p14:creationId xmlns:p14="http://schemas.microsoft.com/office/powerpoint/2010/main" val="1348505079"/>
+        <p14:creationId xmlns:p14="http://schemas.microsoft.com/office/powerpoint/2010/main" val="825363446"/>
       </p:ext>
     </p:extLst>
   </p:cSld>
@@ -6844,243 +7023,36 @@
       </p:grpSpPr>
       <p:sp>
         <p:nvSpPr>
-          <p:cNvPr id="2" name="Заголовок 1"/>
-          <p:cNvSpPr>
-            <a:spLocks noGrp="1"/>
-          </p:cNvSpPr>
-          <p:nvPr>
-            <p:ph type="title"/>
+          <p:cNvPr id="3" name="Объект 2"/>
+          <p:cNvSpPr>
+            <a:spLocks noGrp="1"/>
+          </p:cNvSpPr>
+          <p:nvPr>
+            <p:ph idx="1"/>
           </p:nvPr>
         </p:nvSpPr>
         <p:spPr>
           <a:xfrm>
-            <a:off x="4246323" y="510008"/>
-            <a:ext cx="5648218" cy="918882"/>
+            <a:off x="760926" y="1426380"/>
+            <a:ext cx="10515600" cy="4351338"/>
           </a:xfrm>
         </p:spPr>
         <p:txBody>
           <a:bodyPr/>
           <a:lstStyle/>
           <a:p>
-            <a:r>
-              <a:rPr lang="ru-RU" sz="2400" dirty="0"/>
-              <a:t>Выживание</a:t>
-            </a:r>
-          </a:p>
-        </p:txBody>
-      </p:sp>
-      <p:sp>
-        <p:nvSpPr>
-          <p:cNvPr id="6" name="Текст 5">
-            <a:extLst>
-              <a:ext uri="{FF2B5EF4-FFF2-40B4-BE49-F238E27FC236}">
-                <a16:creationId xmlns:a16="http://schemas.microsoft.com/office/drawing/2014/main" xmlns="" id="{B8FFEC74-D64D-45B0-82AA-6A4ED18231B2}"/>
-              </a:ext>
-            </a:extLst>
-          </p:cNvPr>
-          <p:cNvSpPr>
-            <a:spLocks noGrp="1"/>
-          </p:cNvSpPr>
-          <p:nvPr>
-            <p:ph type="body" idx="1"/>
-          </p:nvPr>
-        </p:nvSpPr>
-        <p:spPr>
-          <a:xfrm>
-            <a:off x="1642724" y="2778015"/>
-            <a:ext cx="4729132" cy="3463447"/>
-          </a:xfrm>
-        </p:spPr>
-        <p:txBody>
-          <a:bodyPr>
-            <a:normAutofit fontScale="55000" lnSpcReduction="20000"/>
-          </a:bodyPr>
-          <a:lstStyle/>
-          <a:p>
-            <a:endParaRPr lang="en-US" dirty="0"/>
-          </a:p>
-          <a:p>
-            <a:endParaRPr lang="en-US" dirty="0"/>
-          </a:p>
-          <a:p>
-            <a:endParaRPr lang="en-US" dirty="0"/>
-          </a:p>
-          <a:p>
-            <a:endParaRPr lang="en-US" dirty="0"/>
-          </a:p>
-          <a:p>
-            <a:endParaRPr lang="en-US" dirty="0"/>
-          </a:p>
-          <a:p>
-            <a:endParaRPr lang="en-US" dirty="0"/>
-          </a:p>
-          <a:p>
-            <a:endParaRPr lang="en-US" dirty="0"/>
-          </a:p>
-          <a:p>
-            <a:endParaRPr lang="en-US" dirty="0"/>
-          </a:p>
-          <a:p>
-            <a:endParaRPr lang="en-US" dirty="0"/>
-          </a:p>
-          <a:p>
-            <a:r>
-              <a:rPr lang="en-US" dirty="0">
-                <a:solidFill>
-                  <a:schemeClr val="tx1"/>
-                </a:solidFill>
-              </a:rPr>
-              <a:t>  							                 ↑</a:t>
-            </a:r>
-            <a:endParaRPr lang="en-US" dirty="0"/>
-          </a:p>
-          <a:p>
-            <a:r>
-              <a:rPr lang="ru-RU" sz="2900" dirty="0">
-                <a:solidFill>
-                  <a:schemeClr val="tx1"/>
-                </a:solidFill>
-              </a:rPr>
-              <a:t>Корабль игрока ==================</a:t>
-            </a:r>
-            <a:r>
-              <a:rPr lang="en-US" sz="2900" dirty="0">
-                <a:solidFill>
-                  <a:schemeClr val="tx1"/>
-                </a:solidFill>
-              </a:rPr>
-              <a:t>╝</a:t>
-            </a:r>
-            <a:endParaRPr lang="ru-RU" sz="2900" dirty="0">
-              <a:solidFill>
-                <a:schemeClr val="tx1"/>
-              </a:solidFill>
-            </a:endParaRPr>
-          </a:p>
-          <a:p>
-            <a:endParaRPr lang="ru-RU" dirty="0"/>
-          </a:p>
-        </p:txBody>
-      </p:sp>
-      <p:pic>
-        <p:nvPicPr>
-          <p:cNvPr id="5" name="Объект 4">
-            <a:extLst>
-              <a:ext uri="{FF2B5EF4-FFF2-40B4-BE49-F238E27FC236}">
-                <a16:creationId xmlns:a16="http://schemas.microsoft.com/office/drawing/2014/main" xmlns="" id="{533EA8D3-CD19-4DB7-ABAE-584E6C7143F2}"/>
-              </a:ext>
-            </a:extLst>
-          </p:cNvPr>
-          <p:cNvPicPr>
-            <a:picLocks noGrp="1" noChangeAspect="1"/>
-          </p:cNvPicPr>
-          <p:nvPr>
-            <p:ph sz="half" idx="2"/>
-          </p:nvPr>
-        </p:nvPicPr>
-        <p:blipFill rotWithShape="1">
-          <a:blip r:embed="rId2">
-            <a:extLst>
-              <a:ext uri="{28A0092B-C50C-407E-A947-70E740481C1C}">
-                <a14:useLocalDpi xmlns:a14="http://schemas.microsoft.com/office/drawing/2010/main" val="0"/>
-              </a:ext>
-            </a:extLst>
-          </a:blip>
-          <a:stretch/>
-        </p:blipFill>
-        <p:spPr>
-          <a:xfrm>
-            <a:off x="4077483" y="1059188"/>
-            <a:ext cx="3335839" cy="4333267"/>
-          </a:xfrm>
-        </p:spPr>
-      </p:pic>
-      <p:sp>
-        <p:nvSpPr>
-          <p:cNvPr id="8" name="Объект 7">
-            <a:extLst>
-              <a:ext uri="{FF2B5EF4-FFF2-40B4-BE49-F238E27FC236}">
-                <a16:creationId xmlns:a16="http://schemas.microsoft.com/office/drawing/2014/main" xmlns="" id="{1E720C49-557F-4FF9-91EB-2A78D0DE0317}"/>
-              </a:ext>
-            </a:extLst>
-          </p:cNvPr>
-          <p:cNvSpPr>
-            <a:spLocks noGrp="1"/>
-          </p:cNvSpPr>
-          <p:nvPr>
-            <p:ph sz="quarter" idx="4"/>
-          </p:nvPr>
-        </p:nvSpPr>
-        <p:spPr>
-          <a:xfrm>
-            <a:off x="7400512" y="1741487"/>
-            <a:ext cx="4396339" cy="2768252"/>
-          </a:xfrm>
-        </p:spPr>
-        <p:txBody>
-          <a:bodyPr/>
-          <a:lstStyle/>
-          <a:p>
-            <a:pPr marL="0" indent="0">
-              <a:buNone/>
-            </a:pPr>
-            <a:r>
-              <a:rPr lang="en-US" sz="1600" dirty="0">
-                <a:sym typeface="Wingdings" panose="05000000000000000000" pitchFamily="2" charset="2"/>
-              </a:rPr>
-              <a:t>&lt;===========</a:t>
-            </a:r>
-            <a:r>
-              <a:rPr lang="ru-RU" sz="1600" dirty="0"/>
-              <a:t>Астероид</a:t>
-            </a:r>
-            <a:endParaRPr lang="en-US" sz="1600" dirty="0"/>
-          </a:p>
-          <a:p>
-            <a:pPr marL="0" indent="0">
-              <a:buNone/>
-            </a:pPr>
-            <a:endParaRPr lang="en-US" sz="1600" dirty="0"/>
-          </a:p>
-          <a:p>
-            <a:pPr marL="0" indent="0">
-              <a:buNone/>
-            </a:pPr>
-            <a:endParaRPr lang="en-US" sz="1600" dirty="0"/>
-          </a:p>
-          <a:p>
-            <a:pPr marL="0" indent="0">
-              <a:buNone/>
-            </a:pPr>
-            <a:endParaRPr lang="en-US" sz="1600" dirty="0"/>
-          </a:p>
-          <a:p>
-            <a:pPr marL="0" indent="0">
-              <a:buNone/>
-            </a:pPr>
-            <a:r>
-              <a:rPr lang="en-US" sz="1600" dirty="0">
-                <a:sym typeface="Wingdings" panose="05000000000000000000" pitchFamily="2" charset="2"/>
-              </a:rPr>
-              <a:t>&lt;===========</a:t>
-            </a:r>
-            <a:r>
-              <a:rPr lang="ru-RU" sz="1600" dirty="0"/>
-              <a:t>Астероид</a:t>
-            </a:r>
-          </a:p>
-          <a:p>
-            <a:pPr marL="0" indent="0">
-              <a:buNone/>
-            </a:pPr>
-            <a:endParaRPr lang="ru-RU" dirty="0"/>
+            <a:pPr algn="just"/>
+            <a:r>
+              <a:rPr lang="ru-RU" dirty="0"/>
+              <a:t>В этом режиме вы можете управлять своим кораблём, уворачиваясь от вражески снарядов и не давать врагам приблизиться к вашей базе. Если вражеский корабль коснётся вашей базы – вы проиграли, если у вас закончились жизни (прочность щитов) вы тоже проиграли. Изначально у вас 3 жизни(3 единицы прочности щитов). За каждого убитого вами врага вам дают по 100 очков, за каждого убитого зелёного врага вы получаете дополнительную жизнь (+1 к прочности щитов). Ваша задача побить рекорд  -- продержать как можно дольше  и уничтожить как можно больше врагов.</a:t>
+            </a:r>
           </a:p>
         </p:txBody>
       </p:sp>
     </p:spTree>
     <p:extLst>
       <p:ext uri="{BB962C8B-B14F-4D97-AF65-F5344CB8AC3E}">
-        <p14:creationId xmlns:p14="http://schemas.microsoft.com/office/powerpoint/2010/main" val="3280613793"/>
+        <p14:creationId xmlns:p14="http://schemas.microsoft.com/office/powerpoint/2010/main" val="1348505079"/>
       </p:ext>
     </p:extLst>
   </p:cSld>
@@ -7109,76 +7081,235 @@
       </p:grpSpPr>
       <p:sp>
         <p:nvSpPr>
-          <p:cNvPr id="3" name="Объект 2"/>
-          <p:cNvSpPr>
-            <a:spLocks noGrp="1"/>
-          </p:cNvSpPr>
-          <p:nvPr>
-            <p:ph idx="1"/>
+          <p:cNvPr id="2" name="Заголовок 1"/>
+          <p:cNvSpPr>
+            <a:spLocks noGrp="1"/>
+          </p:cNvSpPr>
+          <p:nvPr>
+            <p:ph type="title"/>
           </p:nvPr>
         </p:nvSpPr>
         <p:spPr>
           <a:xfrm>
-            <a:off x="838200" y="1491304"/>
-            <a:ext cx="10515600" cy="4351338"/>
+            <a:off x="4246323" y="510008"/>
+            <a:ext cx="5648218" cy="918882"/>
           </a:xfrm>
         </p:spPr>
         <p:txBody>
           <a:bodyPr/>
           <a:lstStyle/>
           <a:p>
-            <a:pPr lvl="1"/>
-            <a:r>
-              <a:rPr lang="ru-RU" dirty="0"/>
-              <a:t>В этом режиме вы можете управлять своим кораблём, уворачиваясь от астероидов. В этом режиме игра проходит в режиме </a:t>
-            </a:r>
-            <a:r>
-              <a:rPr lang="en-US" b="0" i="0" dirty="0">
-                <a:effectLst/>
-                <a:latin typeface="arial" panose="020B0604020202020204" pitchFamily="34" charset="0"/>
+            <a:r>
+              <a:rPr lang="ru-RU" sz="2400" dirty="0"/>
+              <a:t>Выживание</a:t>
+            </a:r>
+          </a:p>
+        </p:txBody>
+      </p:sp>
+      <p:sp>
+        <p:nvSpPr>
+          <p:cNvPr id="6" name="Текст 5">
+            <a:extLst>
+              <a:ext uri="{FF2B5EF4-FFF2-40B4-BE49-F238E27FC236}">
+                <a16:creationId xmlns="" xmlns:a16="http://schemas.microsoft.com/office/drawing/2014/main" id="{B8FFEC74-D64D-45B0-82AA-6A4ED18231B2}"/>
+              </a:ext>
+            </a:extLst>
+          </p:cNvPr>
+          <p:cNvSpPr>
+            <a:spLocks noGrp="1"/>
+          </p:cNvSpPr>
+          <p:nvPr>
+            <p:ph type="body" idx="1"/>
+          </p:nvPr>
+        </p:nvSpPr>
+        <p:spPr>
+          <a:xfrm>
+            <a:off x="1642724" y="2778015"/>
+            <a:ext cx="4729132" cy="3463447"/>
+          </a:xfrm>
+        </p:spPr>
+        <p:txBody>
+          <a:bodyPr>
+            <a:normAutofit fontScale="55000" lnSpcReduction="20000"/>
+          </a:bodyPr>
+          <a:lstStyle/>
+          <a:p>
+            <a:endParaRPr lang="en-US" dirty="0"/>
+          </a:p>
+          <a:p>
+            <a:endParaRPr lang="en-US" dirty="0"/>
+          </a:p>
+          <a:p>
+            <a:endParaRPr lang="en-US" dirty="0"/>
+          </a:p>
+          <a:p>
+            <a:endParaRPr lang="en-US" dirty="0"/>
+          </a:p>
+          <a:p>
+            <a:endParaRPr lang="en-US" dirty="0"/>
+          </a:p>
+          <a:p>
+            <a:endParaRPr lang="en-US" dirty="0"/>
+          </a:p>
+          <a:p>
+            <a:endParaRPr lang="en-US" dirty="0"/>
+          </a:p>
+          <a:p>
+            <a:endParaRPr lang="en-US" dirty="0"/>
+          </a:p>
+          <a:p>
+            <a:endParaRPr lang="en-US" dirty="0"/>
+          </a:p>
+          <a:p>
+            <a:r>
+              <a:rPr lang="en-US" dirty="0">
+                <a:solidFill>
+                  <a:schemeClr val="tx1"/>
+                </a:solidFill>
               </a:rPr>
-              <a:t> </a:t>
-            </a:r>
-            <a:r>
-              <a:rPr lang="en-US" dirty="0">
-                <a:latin typeface="arial" panose="020B0604020202020204" pitchFamily="34" charset="0"/>
+              <a:t>  							                 ↑</a:t>
+            </a:r>
+            <a:endParaRPr lang="en-US" dirty="0"/>
+          </a:p>
+          <a:p>
+            <a:r>
+              <a:rPr lang="ru-RU" sz="2900" dirty="0">
+                <a:solidFill>
+                  <a:schemeClr val="tx1"/>
+                </a:solidFill>
               </a:rPr>
-              <a:t>”</a:t>
-            </a:r>
-            <a:r>
-              <a:rPr lang="en-US" b="0" i="0" dirty="0">
-                <a:effectLst/>
-                <a:latin typeface="arial" panose="020B0604020202020204" pitchFamily="34" charset="0"/>
+              <a:t>Корабль игрока ==================</a:t>
+            </a:r>
+            <a:r>
+              <a:rPr lang="en-US" sz="2900" dirty="0">
+                <a:solidFill>
+                  <a:schemeClr val="tx1"/>
+                </a:solidFill>
               </a:rPr>
-              <a:t>Stealth”</a:t>
-            </a:r>
-            <a:r>
-              <a:rPr lang="ru-RU" dirty="0">
-                <a:latin typeface="arial" panose="020B0604020202020204" pitchFamily="34" charset="0"/>
+              <a:t>╝</a:t>
+            </a:r>
+            <a:endParaRPr lang="ru-RU" sz="2900" dirty="0">
+              <a:solidFill>
+                <a:schemeClr val="tx1"/>
+              </a:solidFill>
+            </a:endParaRPr>
+          </a:p>
+          <a:p>
+            <a:endParaRPr lang="ru-RU" dirty="0"/>
+          </a:p>
+        </p:txBody>
+      </p:sp>
+      <p:pic>
+        <p:nvPicPr>
+          <p:cNvPr id="5" name="Объект 4">
+            <a:extLst>
+              <a:ext uri="{FF2B5EF4-FFF2-40B4-BE49-F238E27FC236}">
+                <a16:creationId xmlns="" xmlns:a16="http://schemas.microsoft.com/office/drawing/2014/main" id="{533EA8D3-CD19-4DB7-ABAE-584E6C7143F2}"/>
+              </a:ext>
+            </a:extLst>
+          </p:cNvPr>
+          <p:cNvPicPr>
+            <a:picLocks noGrp="1" noChangeAspect="1"/>
+          </p:cNvPicPr>
+          <p:nvPr>
+            <p:ph sz="half" idx="2"/>
+          </p:nvPr>
+        </p:nvPicPr>
+        <p:blipFill rotWithShape="1">
+          <a:blip r:embed="rId2">
+            <a:extLst>
+              <a:ext uri="{28A0092B-C50C-407E-A947-70E740481C1C}">
+                <a14:useLocalDpi xmlns:a14="http://schemas.microsoft.com/office/drawing/2010/main" val="0"/>
+              </a:ext>
+            </a:extLst>
+          </a:blip>
+          <a:stretch/>
+        </p:blipFill>
+        <p:spPr>
+          <a:xfrm>
+            <a:off x="4077483" y="1059188"/>
+            <a:ext cx="3335839" cy="4333267"/>
+          </a:xfrm>
+        </p:spPr>
+      </p:pic>
+      <p:sp>
+        <p:nvSpPr>
+          <p:cNvPr id="8" name="Объект 7">
+            <a:extLst>
+              <a:ext uri="{FF2B5EF4-FFF2-40B4-BE49-F238E27FC236}">
+                <a16:creationId xmlns="" xmlns:a16="http://schemas.microsoft.com/office/drawing/2014/main" id="{1E720C49-557F-4FF9-91EB-2A78D0DE0317}"/>
+              </a:ext>
+            </a:extLst>
+          </p:cNvPr>
+          <p:cNvSpPr>
+            <a:spLocks noGrp="1"/>
+          </p:cNvSpPr>
+          <p:nvPr>
+            <p:ph sz="quarter" idx="4"/>
+          </p:nvPr>
+        </p:nvSpPr>
+        <p:spPr>
+          <a:xfrm>
+            <a:off x="7400512" y="1741487"/>
+            <a:ext cx="4396339" cy="2768252"/>
+          </a:xfrm>
+        </p:spPr>
+        <p:txBody>
+          <a:bodyPr/>
+          <a:lstStyle/>
+          <a:p>
+            <a:pPr marL="0" indent="0">
+              <a:buNone/>
+            </a:pPr>
+            <a:r>
+              <a:rPr lang="en-US" sz="1600" dirty="0">
+                <a:sym typeface="Wingdings" panose="05000000000000000000" pitchFamily="2" charset="2"/>
               </a:rPr>
-              <a:t> – у вас нет не оружия не щитов. У вас нет права на ошибку, так как любое столкновение с астероидом погубит ваш лёгкий корабль. Управление производится строго стрелочками на клавиатуре, так-как использование мыши сильно облегчает задачу и игра становится менее интересной.</a:t>
-            </a:r>
-          </a:p>
-          <a:p>
-            <a:pPr lvl="1"/>
-            <a:r>
-              <a:rPr lang="ru-RU" dirty="0">
-                <a:latin typeface="arial" panose="020B0604020202020204" pitchFamily="34" charset="0"/>
+              <a:t>&lt;===========</a:t>
+            </a:r>
+            <a:r>
+              <a:rPr lang="ru-RU" sz="1600" dirty="0"/>
+              <a:t>Астероид</a:t>
+            </a:r>
+            <a:endParaRPr lang="en-US" sz="1600" dirty="0"/>
+          </a:p>
+          <a:p>
+            <a:pPr marL="0" indent="0">
+              <a:buNone/>
+            </a:pPr>
+            <a:endParaRPr lang="en-US" sz="1600" dirty="0"/>
+          </a:p>
+          <a:p>
+            <a:pPr marL="0" indent="0">
+              <a:buNone/>
+            </a:pPr>
+            <a:endParaRPr lang="en-US" sz="1600" dirty="0"/>
+          </a:p>
+          <a:p>
+            <a:pPr marL="0" indent="0">
+              <a:buNone/>
+            </a:pPr>
+            <a:endParaRPr lang="en-US" sz="1600" dirty="0"/>
+          </a:p>
+          <a:p>
+            <a:pPr marL="0" indent="0">
+              <a:buNone/>
+            </a:pPr>
+            <a:r>
+              <a:rPr lang="en-US" sz="1600" dirty="0">
+                <a:sym typeface="Wingdings" panose="05000000000000000000" pitchFamily="2" charset="2"/>
               </a:rPr>
-              <a:t>Некоторые астероиды носятся как пули, а некоторые наоборот летят крайне медленно. Поэтому необходима крайняя концентрация на игре и  просчёт возможных траекторий астероидов.</a:t>
-            </a:r>
-          </a:p>
-          <a:p>
-            <a:pPr lvl="1"/>
-            <a:r>
-              <a:rPr lang="ru-RU" dirty="0">
-                <a:latin typeface="arial" panose="020B0604020202020204" pitchFamily="34" charset="0"/>
-              </a:rPr>
-              <a:t>Тут нет системы подсчёта, по сколько игра не даёт возможности взглянуть на неё. Лучшим решением является оставить больше обзора игроку</a:t>
-            </a:r>
-            <a:endParaRPr lang="ru-RU" dirty="0"/>
-          </a:p>
-          <a:p>
+              <a:t>&lt;===========</a:t>
+            </a:r>
+            <a:r>
+              <a:rPr lang="ru-RU" sz="1600" dirty="0"/>
+              <a:t>Астероид</a:t>
+            </a:r>
+          </a:p>
+          <a:p>
+            <a:pPr marL="0" indent="0">
+              <a:buNone/>
+            </a:pPr>
             <a:endParaRPr lang="ru-RU" dirty="0"/>
           </a:p>
         </p:txBody>
@@ -7186,7 +7317,7 @@
     </p:spTree>
     <p:extLst>
       <p:ext uri="{BB962C8B-B14F-4D97-AF65-F5344CB8AC3E}">
-        <p14:creationId xmlns:p14="http://schemas.microsoft.com/office/powerpoint/2010/main" val="1615121988"/>
+        <p14:creationId xmlns:p14="http://schemas.microsoft.com/office/powerpoint/2010/main" val="3280613793"/>
       </p:ext>
     </p:extLst>
   </p:cSld>
@@ -7215,10 +7346,116 @@
       </p:grpSpPr>
       <p:sp>
         <p:nvSpPr>
+          <p:cNvPr id="3" name="Объект 2"/>
+          <p:cNvSpPr>
+            <a:spLocks noGrp="1"/>
+          </p:cNvSpPr>
+          <p:nvPr>
+            <p:ph idx="1"/>
+          </p:nvPr>
+        </p:nvSpPr>
+        <p:spPr>
+          <a:xfrm>
+            <a:off x="838200" y="1491304"/>
+            <a:ext cx="10515600" cy="4351338"/>
+          </a:xfrm>
+        </p:spPr>
+        <p:txBody>
+          <a:bodyPr/>
+          <a:lstStyle/>
+          <a:p>
+            <a:pPr lvl="1"/>
+            <a:r>
+              <a:rPr lang="ru-RU" dirty="0"/>
+              <a:t>В этом режиме вы можете управлять своим кораблём, уворачиваясь от астероидов. В этом режиме игра проходит в режиме </a:t>
+            </a:r>
+            <a:r>
+              <a:rPr lang="en-US" b="0" i="0" dirty="0">
+                <a:effectLst/>
+                <a:latin typeface="arial" panose="020B0604020202020204" pitchFamily="34" charset="0"/>
+              </a:rPr>
+              <a:t> </a:t>
+            </a:r>
+            <a:r>
+              <a:rPr lang="en-US" dirty="0">
+                <a:latin typeface="arial" panose="020B0604020202020204" pitchFamily="34" charset="0"/>
+              </a:rPr>
+              <a:t>”</a:t>
+            </a:r>
+            <a:r>
+              <a:rPr lang="en-US" b="0" i="0" dirty="0">
+                <a:effectLst/>
+                <a:latin typeface="arial" panose="020B0604020202020204" pitchFamily="34" charset="0"/>
+              </a:rPr>
+              <a:t>Stealth”</a:t>
+            </a:r>
+            <a:r>
+              <a:rPr lang="ru-RU" dirty="0">
+                <a:latin typeface="arial" panose="020B0604020202020204" pitchFamily="34" charset="0"/>
+              </a:rPr>
+              <a:t> – у вас нет не оружия не щитов. У вас нет права на ошибку, так как любое столкновение с астероидом погубит ваш лёгкий корабль. Управление производится строго стрелочками на клавиатуре, так-как использование мыши сильно облегчает задачу и игра становится менее интересной.</a:t>
+            </a:r>
+          </a:p>
+          <a:p>
+            <a:pPr lvl="1"/>
+            <a:r>
+              <a:rPr lang="ru-RU" dirty="0">
+                <a:latin typeface="arial" panose="020B0604020202020204" pitchFamily="34" charset="0"/>
+              </a:rPr>
+              <a:t>Некоторые астероиды носятся как пули, а некоторые наоборот летят крайне медленно. Поэтому необходима крайняя концентрация на игре и  просчёт возможных траекторий астероидов.</a:t>
+            </a:r>
+          </a:p>
+          <a:p>
+            <a:pPr lvl="1"/>
+            <a:r>
+              <a:rPr lang="ru-RU" dirty="0">
+                <a:latin typeface="arial" panose="020B0604020202020204" pitchFamily="34" charset="0"/>
+              </a:rPr>
+              <a:t>Тут нет системы подсчёта, по сколько игра не даёт возможности взглянуть на неё. Лучшим решением является оставить больше обзора игроку</a:t>
+            </a:r>
+            <a:endParaRPr lang="ru-RU" dirty="0"/>
+          </a:p>
+          <a:p>
+            <a:endParaRPr lang="ru-RU" dirty="0"/>
+          </a:p>
+        </p:txBody>
+      </p:sp>
+    </p:spTree>
+    <p:extLst>
+      <p:ext uri="{BB962C8B-B14F-4D97-AF65-F5344CB8AC3E}">
+        <p14:creationId xmlns:p14="http://schemas.microsoft.com/office/powerpoint/2010/main" val="1615121988"/>
+      </p:ext>
+    </p:extLst>
+  </p:cSld>
+  <p:clrMapOvr>
+    <a:masterClrMapping/>
+  </p:clrMapOvr>
+</p:sld>
+</file>
+
+<file path=ppt/slides/slide9.xml><?xml version="1.0" encoding="utf-8"?>
+<p:sld xmlns:a="http://schemas.openxmlformats.org/drawingml/2006/main" xmlns:r="http://schemas.openxmlformats.org/officeDocument/2006/relationships" xmlns:p="http://schemas.openxmlformats.org/presentationml/2006/main">
+  <p:cSld>
+    <p:spTree>
+      <p:nvGrpSpPr>
+        <p:cNvPr id="1" name=""/>
+        <p:cNvGrpSpPr/>
+        <p:nvPr/>
+      </p:nvGrpSpPr>
+      <p:grpSpPr>
+        <a:xfrm>
+          <a:off x="0" y="0"/>
+          <a:ext cx="0" cy="0"/>
+          <a:chOff x="0" y="0"/>
+          <a:chExt cx="0" cy="0"/>
+        </a:xfrm>
+      </p:grpSpPr>
+      <p:sp>
+        <p:nvSpPr>
           <p:cNvPr id="2" name="Заголовок 1">
             <a:extLst>
               <a:ext uri="{FF2B5EF4-FFF2-40B4-BE49-F238E27FC236}">
-                <a16:creationId xmlns:a16="http://schemas.microsoft.com/office/drawing/2014/main" xmlns="" id="{C79AF1E2-9128-48AF-ABF2-DE6ED6D9942E}"/>
+                <a16:creationId xmlns="" xmlns:a16="http://schemas.microsoft.com/office/drawing/2014/main" id="{C79AF1E2-9128-48AF-ABF2-DE6ED6D9942E}"/>
               </a:ext>
             </a:extLst>
           </p:cNvPr>
@@ -7251,7 +7488,7 @@
           <p:cNvPr id="8" name="Текст 7">
             <a:extLst>
               <a:ext uri="{FF2B5EF4-FFF2-40B4-BE49-F238E27FC236}">
-                <a16:creationId xmlns:a16="http://schemas.microsoft.com/office/drawing/2014/main" xmlns="" id="{19FEA3F7-4909-4FA5-8C06-F9F7C8AA2781}"/>
+                <a16:creationId xmlns="" xmlns:a16="http://schemas.microsoft.com/office/drawing/2014/main" id="{19FEA3F7-4909-4FA5-8C06-F9F7C8AA2781}"/>
               </a:ext>
             </a:extLst>
           </p:cNvPr>
@@ -7284,7 +7521,7 @@
           <p:cNvPr id="5" name="Объект 4">
             <a:extLst>
               <a:ext uri="{FF2B5EF4-FFF2-40B4-BE49-F238E27FC236}">
-                <a16:creationId xmlns:a16="http://schemas.microsoft.com/office/drawing/2014/main" xmlns="" id="{43CFFFAE-5004-4FA6-A8EF-37300E2501FA}"/>
+                <a16:creationId xmlns="" xmlns:a16="http://schemas.microsoft.com/office/drawing/2014/main" id="{43CFFFAE-5004-4FA6-A8EF-37300E2501FA}"/>
               </a:ext>
             </a:extLst>
           </p:cNvPr>
@@ -7319,7 +7556,7 @@
           <p:cNvPr id="7" name="Рисунок 6">
             <a:extLst>
               <a:ext uri="{FF2B5EF4-FFF2-40B4-BE49-F238E27FC236}">
-                <a16:creationId xmlns:a16="http://schemas.microsoft.com/office/drawing/2014/main" xmlns="" id="{18294FC9-3023-48B1-A33A-821678A0EE3A}"/>
+                <a16:creationId xmlns="" xmlns:a16="http://schemas.microsoft.com/office/drawing/2014/main" id="{18294FC9-3023-48B1-A33A-821678A0EE3A}"/>
               </a:ext>
             </a:extLst>
           </p:cNvPr>
@@ -7354,93 +7591,6 @@
     <p:extLst>
       <p:ext uri="{BB962C8B-B14F-4D97-AF65-F5344CB8AC3E}">
         <p14:creationId xmlns:p14="http://schemas.microsoft.com/office/powerpoint/2010/main" val="3067471869"/>
-      </p:ext>
-    </p:extLst>
-  </p:cSld>
-  <p:clrMapOvr>
-    <a:masterClrMapping/>
-  </p:clrMapOvr>
-</p:sld>
-</file>
-
-<file path=ppt/slides/slide9.xml><?xml version="1.0" encoding="utf-8"?>
-<p:sld xmlns:a="http://schemas.openxmlformats.org/drawingml/2006/main" xmlns:r="http://schemas.openxmlformats.org/officeDocument/2006/relationships" xmlns:p="http://schemas.openxmlformats.org/presentationml/2006/main">
-  <p:cSld>
-    <p:spTree>
-      <p:nvGrpSpPr>
-        <p:cNvPr id="1" name=""/>
-        <p:cNvGrpSpPr/>
-        <p:nvPr/>
-      </p:nvGrpSpPr>
-      <p:grpSpPr>
-        <a:xfrm>
-          <a:off x="0" y="0"/>
-          <a:ext cx="0" cy="0"/>
-          <a:chOff x="0" y="0"/>
-          <a:chExt cx="0" cy="0"/>
-        </a:xfrm>
-      </p:grpSpPr>
-      <p:sp>
-        <p:nvSpPr>
-          <p:cNvPr id="3" name="Объект 2">
-            <a:extLst>
-              <a:ext uri="{FF2B5EF4-FFF2-40B4-BE49-F238E27FC236}">
-                <a16:creationId xmlns:a16="http://schemas.microsoft.com/office/drawing/2014/main" xmlns="" id="{E633C413-AC47-4ED3-B9CB-360CBD7CD522}"/>
-              </a:ext>
-            </a:extLst>
-          </p:cNvPr>
-          <p:cNvSpPr>
-            <a:spLocks noGrp="1"/>
-          </p:cNvSpPr>
-          <p:nvPr>
-            <p:ph idx="1"/>
-          </p:nvPr>
-        </p:nvSpPr>
-        <p:spPr>
-          <a:xfrm>
-            <a:off x="1491619" y="1689664"/>
-            <a:ext cx="8946541" cy="4195481"/>
-          </a:xfrm>
-        </p:spPr>
-        <p:txBody>
-          <a:bodyPr/>
-          <a:lstStyle/>
-          <a:p>
-            <a:r>
-              <a:rPr lang="ru-RU" dirty="0"/>
-              <a:t>На первом скриншоте показан конец игры на обороне, втором конец игры выживания. </a:t>
-            </a:r>
-          </a:p>
-          <a:p>
-            <a:endParaRPr lang="ru-RU" dirty="0"/>
-          </a:p>
-          <a:p>
-            <a:r>
-              <a:rPr lang="ru-RU" dirty="0"/>
-              <a:t>В обороне показано только ваши очки за этот бой и рекордные очки(если вы побили рекорд то эти значения будут равны)</a:t>
-            </a:r>
-          </a:p>
-          <a:p>
-            <a:r>
-              <a:rPr lang="ru-RU" dirty="0"/>
-              <a:t>В выживании нету счёта очков.</a:t>
-            </a:r>
-          </a:p>
-          <a:p>
-            <a:pPr marL="0" indent="0">
-              <a:buNone/>
-            </a:pPr>
-            <a:r>
-              <a:rPr lang="ru-RU" dirty="0"/>
-              <a:t>Вам напишут мотивационную фразу или подсказку.</a:t>
-            </a:r>
-          </a:p>
-        </p:txBody>
-      </p:sp>
-    </p:spTree>
-    <p:extLst>
-      <p:ext uri="{BB962C8B-B14F-4D97-AF65-F5344CB8AC3E}">
-        <p14:creationId xmlns:p14="http://schemas.microsoft.com/office/powerpoint/2010/main" val="1791499988"/>
       </p:ext>
     </p:extLst>
   </p:cSld>
